--- a/PHP/slides/0-PHP-Greeting.pptx
+++ b/PHP/slides/0-PHP-Greeting.pptx
@@ -983,7 +983,7 @@
         <p:spPr>
           <a:xfrm>
             <a:off x="279401" y="1520414"/>
-            <a:ext cx="11633198" cy="3666517"/>
+            <a:ext cx="11633198" cy="3343351"/>
           </a:xfrm>
           <a:prstGeom prst="rect">
             <a:avLst/>
@@ -998,7 +998,7 @@
           <a:p>
             <a:pPr>
               <a:lnSpc>
-                <a:spcPct val="200000"/>
+                <a:spcPct val="150000"/>
               </a:lnSpc>
             </a:pPr>
             <a:r>
@@ -1014,7 +1014,7 @@
           <a:p>
             <a:pPr marL="457200" indent="-457200">
               <a:lnSpc>
-                <a:spcPct val="200000"/>
+                <a:spcPct val="150000"/>
               </a:lnSpc>
               <a:buFont typeface="+mj-lt"/>
               <a:buAutoNum type="arabicPeriod"/>
@@ -1032,7 +1032,7 @@
           <a:p>
             <a:pPr marL="457200" indent="-457200">
               <a:lnSpc>
-                <a:spcPct val="200000"/>
+                <a:spcPct val="150000"/>
               </a:lnSpc>
               <a:buFont typeface="+mj-lt"/>
               <a:buAutoNum type="arabicPeriod"/>
@@ -1050,7 +1050,7 @@
           <a:p>
             <a:pPr marL="457200" indent="-457200">
               <a:lnSpc>
-                <a:spcPct val="200000"/>
+                <a:spcPct val="150000"/>
               </a:lnSpc>
               <a:buFont typeface="+mj-lt"/>
               <a:buAutoNum type="arabicPeriod"/>
@@ -1062,13 +1062,13 @@
                 </a:solidFill>
                 <a:latin typeface="Lato" panose="020F0502020204030203" pitchFamily="34" charset="0"/>
               </a:rPr>
-              <a:t>PHP OOP &amp; PHP MVC : 12 hours – 3 sessions.</a:t>
+              <a:t>PHP OOP &amp; PHP MVC : 8 hours – 2 sessions.</a:t>
             </a:r>
           </a:p>
           <a:p>
             <a:pPr marL="457200" indent="-457200">
               <a:lnSpc>
-                <a:spcPct val="200000"/>
+                <a:spcPct val="150000"/>
               </a:lnSpc>
               <a:buFont typeface="+mj-lt"/>
               <a:buAutoNum type="arabicPeriod"/>
@@ -1080,7 +1080,7 @@
                 </a:solidFill>
                 <a:latin typeface="Lato" panose="020F0502020204030203" pitchFamily="34" charset="0"/>
               </a:rPr>
-              <a:t>Using Laravel Framework and MySQL to build Blog Website : 32 hours – 8 sessions.</a:t>
+              <a:t>Using Laravel Framework and MySQL to build Blog Website : 36 hours – 9 sessions.</a:t>
             </a:r>
           </a:p>
         </p:txBody>
@@ -2316,8 +2316,8 @@
         </p:nvSpPr>
         <p:spPr>
           <a:xfrm>
-            <a:off x="666330" y="1505996"/>
-            <a:ext cx="10859338" cy="3935436"/>
+            <a:off x="666330" y="1906300"/>
+            <a:ext cx="10859338" cy="2844112"/>
           </a:xfrm>
           <a:prstGeom prst="rect">
             <a:avLst/>
@@ -2338,6 +2338,16 @@
               <a:buAutoNum type="arabicPeriod"/>
             </a:pPr>
             <a:r>
+              <a:rPr lang="vi-VN" sz="2400" dirty="0">
+                <a:solidFill>
+                  <a:schemeClr val="bg1"/>
+                </a:solidFill>
+                <a:latin typeface="Lato" panose="020F0502020204030203" pitchFamily="34" charset="0"/>
+                <a:ea typeface="Roboto" panose="02000000000000000000" pitchFamily="2" charset="0"/>
+              </a:rPr>
+              <a:t>Using  Windows</a:t>
+            </a:r>
+            <a:r>
               <a:rPr lang="en-US" sz="2400" dirty="0">
                 <a:solidFill>
                   <a:schemeClr val="bg1"/>
@@ -2345,7 +2355,7 @@
                 <a:latin typeface="Lato" panose="020F0502020204030203" pitchFamily="34" charset="0"/>
                 <a:ea typeface="Roboto" panose="02000000000000000000" pitchFamily="2" charset="0"/>
               </a:rPr>
-              <a:t>Install Git (required).</a:t>
+              <a:t> 10 or Ubuntu 16.04.</a:t>
             </a:r>
           </a:p>
           <a:p>
@@ -2364,7 +2374,7 @@
                 <a:latin typeface="Lato" panose="020F0502020204030203" pitchFamily="34" charset="0"/>
                 <a:ea typeface="Roboto" panose="02000000000000000000" pitchFamily="2" charset="0"/>
               </a:rPr>
-              <a:t>Install Docker (required).</a:t>
+              <a:t>Installed Git.</a:t>
             </a:r>
           </a:p>
           <a:p>
@@ -2383,47 +2393,7 @@
                 <a:latin typeface="Lato" panose="020F0502020204030203" pitchFamily="34" charset="0"/>
                 <a:ea typeface="Roboto" panose="02000000000000000000" pitchFamily="2" charset="0"/>
               </a:rPr>
-              <a:t>Install VS Code</a:t>
-            </a:r>
-            <a:r>
-              <a:rPr lang="vi-VN" sz="2400" dirty="0">
-                <a:solidFill>
-                  <a:schemeClr val="bg1"/>
-                </a:solidFill>
-                <a:latin typeface="Lato" panose="020F0502020204030203" pitchFamily="34" charset="0"/>
-                <a:ea typeface="Roboto" panose="02000000000000000000" pitchFamily="2" charset="0"/>
-              </a:rPr>
-              <a:t> (recommend), Atom</a:t>
-            </a:r>
-            <a:r>
-              <a:rPr lang="en-US" sz="2400" dirty="0">
-                <a:solidFill>
-                  <a:schemeClr val="bg1"/>
-                </a:solidFill>
-                <a:latin typeface="Lato" panose="020F0502020204030203" pitchFamily="34" charset="0"/>
-                <a:ea typeface="Roboto" panose="02000000000000000000" pitchFamily="2" charset="0"/>
-              </a:rPr>
-              <a:t> (optional)</a:t>
-            </a:r>
-            <a:r>
-              <a:rPr lang="vi-VN" sz="2400" dirty="0">
-                <a:solidFill>
-                  <a:schemeClr val="bg1"/>
-                </a:solidFill>
-                <a:latin typeface="Lato" panose="020F0502020204030203" pitchFamily="34" charset="0"/>
-                <a:ea typeface="Roboto" panose="02000000000000000000" pitchFamily="2" charset="0"/>
-              </a:rPr>
-              <a:t> , PHP Storm</a:t>
-            </a:r>
-            <a:r>
-              <a:rPr lang="en-US" sz="2400" dirty="0">
-                <a:solidFill>
-                  <a:schemeClr val="bg1"/>
-                </a:solidFill>
-                <a:latin typeface="Lato" panose="020F0502020204030203" pitchFamily="34" charset="0"/>
-                <a:ea typeface="Roboto" panose="02000000000000000000" pitchFamily="2" charset="0"/>
-              </a:rPr>
-              <a:t>(optional).</a:t>
+              <a:t>Installed Chrome Web Browser.</a:t>
             </a:r>
           </a:p>
           <a:p>
@@ -2442,7 +2412,92 @@
                 <a:latin typeface="Lato" panose="020F0502020204030203" pitchFamily="34" charset="0"/>
                 <a:ea typeface="Roboto" panose="02000000000000000000" pitchFamily="2" charset="0"/>
               </a:rPr>
-              <a:t>Install Workbench (optional).</a:t>
+              <a:t>Installed VS Code.</a:t>
+            </a:r>
+          </a:p>
+          <a:p>
+            <a:pPr marL="457200" indent="-457200">
+              <a:lnSpc>
+                <a:spcPct val="150000"/>
+              </a:lnSpc>
+              <a:buFont typeface="+mj-lt"/>
+              <a:buAutoNum type="arabicPeriod"/>
+            </a:pPr>
+            <a:r>
+              <a:rPr lang="vi-VN" sz="2400" dirty="0">
+                <a:solidFill>
+                  <a:schemeClr val="bg1"/>
+                </a:solidFill>
+                <a:latin typeface="Lato" panose="020F0502020204030203" pitchFamily="34" charset="0"/>
+                <a:ea typeface="Roboto" panose="02000000000000000000" pitchFamily="2" charset="0"/>
+              </a:rPr>
+              <a:t>Install</a:t>
+            </a:r>
+            <a:r>
+              <a:rPr lang="en-US" sz="2400" dirty="0">
+                <a:solidFill>
+                  <a:schemeClr val="bg1"/>
+                </a:solidFill>
+                <a:latin typeface="Lato" panose="020F0502020204030203" pitchFamily="34" charset="0"/>
+                <a:ea typeface="Roboto" panose="02000000000000000000" pitchFamily="2" charset="0"/>
+              </a:rPr>
+              <a:t>ed </a:t>
+            </a:r>
+            <a:r>
+              <a:rPr lang="vi-VN" sz="2400" dirty="0">
+                <a:solidFill>
+                  <a:schemeClr val="bg1"/>
+                </a:solidFill>
+                <a:latin typeface="Lato" panose="020F0502020204030203" pitchFamily="34" charset="0"/>
+                <a:ea typeface="Roboto" panose="02000000000000000000" pitchFamily="2" charset="0"/>
+              </a:rPr>
+              <a:t>XAMPP</a:t>
+            </a:r>
+            <a:r>
+              <a:rPr lang="en-US" sz="2400" dirty="0">
+                <a:solidFill>
+                  <a:schemeClr val="bg1"/>
+                </a:solidFill>
+                <a:latin typeface="Lato" panose="020F0502020204030203" pitchFamily="34" charset="0"/>
+                <a:ea typeface="Roboto" panose="02000000000000000000" pitchFamily="2" charset="0"/>
+              </a:rPr>
+              <a:t> for Windows PHP 7.0</a:t>
+            </a:r>
+            <a:r>
+              <a:rPr lang="vi-VN" sz="2400" dirty="0">
+                <a:solidFill>
+                  <a:schemeClr val="bg1"/>
+                </a:solidFill>
+                <a:latin typeface="Lato" panose="020F0502020204030203" pitchFamily="34" charset="0"/>
+                <a:ea typeface="Roboto" panose="02000000000000000000" pitchFamily="2" charset="0"/>
+              </a:rPr>
+              <a:t>.</a:t>
+            </a:r>
+            <a:endParaRPr lang="en-US" sz="2400" dirty="0">
+              <a:solidFill>
+                <a:schemeClr val="bg1"/>
+              </a:solidFill>
+              <a:latin typeface="Lato" panose="020F0502020204030203" pitchFamily="34" charset="0"/>
+              <a:ea typeface="Roboto" panose="02000000000000000000" pitchFamily="2" charset="0"/>
+            </a:endParaRPr>
+          </a:p>
+          <a:p>
+            <a:pPr marL="457200" indent="-457200">
+              <a:lnSpc>
+                <a:spcPct val="150000"/>
+              </a:lnSpc>
+              <a:buFont typeface="+mj-lt"/>
+              <a:buAutoNum type="arabicPeriod"/>
+            </a:pPr>
+            <a:r>
+              <a:rPr lang="en-US" sz="2400" dirty="0">
+                <a:solidFill>
+                  <a:schemeClr val="bg1"/>
+                </a:solidFill>
+                <a:latin typeface="Lato" panose="020F0502020204030203" pitchFamily="34" charset="0"/>
+                <a:ea typeface="Roboto" panose="02000000000000000000" pitchFamily="2" charset="0"/>
+              </a:rPr>
+              <a:t>Installed Workbench.</a:t>
             </a:r>
             <a:endParaRPr lang="vi-VN" sz="2400" dirty="0">
               <a:solidFill>
@@ -2461,126 +2516,15 @@
               <a:buAutoNum type="arabicPeriod"/>
             </a:pPr>
             <a:r>
-              <a:rPr lang="vi-VN" sz="2400" dirty="0">
+              <a:rPr lang="en-US" sz="2400" dirty="0">
                 <a:solidFill>
                   <a:schemeClr val="bg1"/>
                 </a:solidFill>
                 <a:latin typeface="Lato" panose="020F0502020204030203" pitchFamily="34" charset="0"/>
                 <a:ea typeface="Roboto" panose="02000000000000000000" pitchFamily="2" charset="0"/>
               </a:rPr>
-              <a:t>Using  Windows (10 is better), Ubuntu (16.4 is better), Mac OS.</a:t>
-            </a:r>
-          </a:p>
-          <a:p>
-            <a:pPr marL="457200" indent="-457200">
-              <a:lnSpc>
-                <a:spcPct val="150000"/>
-              </a:lnSpc>
-              <a:buFont typeface="+mj-lt"/>
-              <a:buAutoNum type="arabicPeriod"/>
-            </a:pPr>
-            <a:r>
-              <a:rPr lang="vi-VN" sz="2400" dirty="0">
-                <a:solidFill>
-                  <a:schemeClr val="bg1"/>
-                </a:solidFill>
-                <a:latin typeface="Lato" panose="020F0502020204030203" pitchFamily="34" charset="0"/>
-                <a:ea typeface="Roboto" panose="02000000000000000000" pitchFamily="2" charset="0"/>
-              </a:rPr>
-              <a:t>Install LEMP/LAMP (on Ubuntu) or XAMPP</a:t>
-            </a:r>
-            <a:r>
-              <a:rPr lang="en-US" sz="2400" dirty="0">
-                <a:solidFill>
-                  <a:schemeClr val="bg1"/>
-                </a:solidFill>
-                <a:latin typeface="Lato" panose="020F0502020204030203" pitchFamily="34" charset="0"/>
-                <a:ea typeface="Roboto" panose="02000000000000000000" pitchFamily="2" charset="0"/>
-              </a:rPr>
-              <a:t>/WAMPP</a:t>
-            </a:r>
-            <a:r>
-              <a:rPr lang="vi-VN" sz="2400" dirty="0">
-                <a:solidFill>
-                  <a:schemeClr val="bg1"/>
-                </a:solidFill>
-                <a:latin typeface="Lato" panose="020F0502020204030203" pitchFamily="34" charset="0"/>
-                <a:ea typeface="Roboto" panose="02000000000000000000" pitchFamily="2" charset="0"/>
-              </a:rPr>
-              <a:t> (on Windows/Ubuntu/Mac OS – optional)</a:t>
-            </a:r>
-            <a:r>
-              <a:rPr lang="en-US" sz="2400" dirty="0">
-                <a:solidFill>
-                  <a:schemeClr val="bg1"/>
-                </a:solidFill>
-                <a:latin typeface="Lato" panose="020F0502020204030203" pitchFamily="34" charset="0"/>
-                <a:ea typeface="Roboto" panose="02000000000000000000" pitchFamily="2" charset="0"/>
-              </a:rPr>
-              <a:t> -</a:t>
-            </a:r>
-            <a:r>
-              <a:rPr lang="vi-VN" sz="2400" dirty="0">
-                <a:solidFill>
-                  <a:schemeClr val="bg1"/>
-                </a:solidFill>
-                <a:latin typeface="Lato" panose="020F0502020204030203" pitchFamily="34" charset="0"/>
-                <a:ea typeface="Roboto" panose="02000000000000000000" pitchFamily="2" charset="0"/>
-              </a:rPr>
-              <a:t> no need it you can using Docker.</a:t>
-            </a:r>
-            <a:endParaRPr lang="en-US" sz="2400" dirty="0">
-              <a:solidFill>
-                <a:schemeClr val="bg1"/>
-              </a:solidFill>
-              <a:latin typeface="Lato" panose="020F0502020204030203" pitchFamily="34" charset="0"/>
-              <a:ea typeface="Roboto" panose="02000000000000000000" pitchFamily="2" charset="0"/>
-            </a:endParaRPr>
-          </a:p>
-          <a:p>
-            <a:pPr marL="457200" indent="-457200">
-              <a:lnSpc>
-                <a:spcPct val="150000"/>
-              </a:lnSpc>
-              <a:buFont typeface="+mj-lt"/>
-              <a:buAutoNum type="arabicPeriod"/>
-            </a:pPr>
-            <a:r>
-              <a:rPr lang="en-US" sz="2400" dirty="0">
-                <a:solidFill>
-                  <a:schemeClr val="bg1"/>
-                </a:solidFill>
-                <a:latin typeface="Lato" panose="020F0502020204030203" pitchFamily="34" charset="0"/>
-                <a:ea typeface="Roboto" panose="02000000000000000000" pitchFamily="2" charset="0"/>
-              </a:rPr>
-              <a:t>Postman (optional).</a:t>
-            </a:r>
-          </a:p>
-          <a:p>
-            <a:pPr marL="457200" indent="-457200">
-              <a:lnSpc>
-                <a:spcPct val="150000"/>
-              </a:lnSpc>
-              <a:buFont typeface="+mj-lt"/>
-              <a:buAutoNum type="arabicPeriod"/>
-            </a:pPr>
-            <a:r>
-              <a:rPr lang="en-US" sz="2400" dirty="0">
-                <a:solidFill>
-                  <a:schemeClr val="bg1"/>
-                </a:solidFill>
-                <a:latin typeface="Lato" panose="020F0502020204030203" pitchFamily="34" charset="0"/>
-                <a:ea typeface="Roboto" panose="02000000000000000000" pitchFamily="2" charset="0"/>
-              </a:rPr>
-              <a:t>Chrome Web Browser (optional).</a:t>
-            </a:r>
-            <a:endParaRPr lang="vi-VN" sz="2400" dirty="0">
-              <a:solidFill>
-                <a:schemeClr val="bg1"/>
-              </a:solidFill>
-              <a:latin typeface="Lato" panose="020F0502020204030203" pitchFamily="34" charset="0"/>
-              <a:ea typeface="Roboto" panose="02000000000000000000" pitchFamily="2" charset="0"/>
-            </a:endParaRPr>
+              <a:t>Installed Postman.</a:t>
+            </a:r>
           </a:p>
         </p:txBody>
       </p:sp>
@@ -4455,7 +4399,7 @@
                 </a:solidFill>
                 <a:latin typeface="Lato" panose="020F0502020204030203" pitchFamily="34" charset="0"/>
               </a:rPr>
-              <a:t>Come over here, one by one and speak loudly to the class :</a:t>
+              <a:t>Stand up, one by one and speak loudly to the class :</a:t>
             </a:r>
           </a:p>
           <a:p>

--- a/PHP/slides/0-PHP-Greeting.pptx
+++ b/PHP/slides/0-PHP-Greeting.pptx
@@ -1062,7 +1062,7 @@
                 </a:solidFill>
                 <a:latin typeface="Lato" panose="020F0502020204030203" pitchFamily="34" charset="0"/>
               </a:rPr>
-              <a:t>PHP OOP &amp; PHP MVC : 8 hours – 2 sessions.</a:t>
+              <a:t>PHP OOP &amp; PHP MVC : 4 hours – 1 sessions.</a:t>
             </a:r>
           </a:p>
           <a:p>
@@ -1080,7 +1080,25 @@
                 </a:solidFill>
                 <a:latin typeface="Lato" panose="020F0502020204030203" pitchFamily="34" charset="0"/>
               </a:rPr>
-              <a:t>Using Laravel Framework and MySQL to build Blog Website : 36 hours – 9 sessions.</a:t>
+              <a:t>Using Laravel Framework and MySQL to build Blog Website : 40 hours </a:t>
+            </a:r>
+            <a:r>
+              <a:rPr lang="en-US" sz="2400">
+                <a:solidFill>
+                  <a:schemeClr val="bg1"/>
+                </a:solidFill>
+                <a:latin typeface="Lato" panose="020F0502020204030203" pitchFamily="34" charset="0"/>
+              </a:rPr>
+              <a:t>– 10 </a:t>
+            </a:r>
+            <a:r>
+              <a:rPr lang="en-US" sz="2400" dirty="0">
+                <a:solidFill>
+                  <a:schemeClr val="bg1"/>
+                </a:solidFill>
+                <a:latin typeface="Lato" panose="020F0502020204030203" pitchFamily="34" charset="0"/>
+              </a:rPr>
+              <a:t>sessions.</a:t>
             </a:r>
           </a:p>
         </p:txBody>

--- a/PHP/slides/0-PHP-Greeting.pptx
+++ b/PHP/slides/0-PHP-Greeting.pptx
@@ -9,13 +9,13 @@
     <p:sldId id="257" r:id="rId3"/>
     <p:sldId id="258" r:id="rId4"/>
     <p:sldId id="262" r:id="rId5"/>
-    <p:sldId id="259" r:id="rId6"/>
-    <p:sldId id="261" r:id="rId7"/>
-    <p:sldId id="263" r:id="rId8"/>
-    <p:sldId id="265" r:id="rId9"/>
-    <p:sldId id="266" r:id="rId10"/>
-    <p:sldId id="267" r:id="rId11"/>
-    <p:sldId id="268" r:id="rId12"/>
+    <p:sldId id="261" r:id="rId6"/>
+    <p:sldId id="263" r:id="rId7"/>
+    <p:sldId id="265" r:id="rId8"/>
+    <p:sldId id="266" r:id="rId9"/>
+    <p:sldId id="268" r:id="rId10"/>
+    <p:sldId id="272" r:id="rId11"/>
+    <p:sldId id="259" r:id="rId12"/>
     <p:sldId id="260" r:id="rId13"/>
     <p:sldId id="269" r:id="rId14"/>
     <p:sldId id="271" r:id="rId15"/>
@@ -660,52 +660,12 @@
           <a:chExt cx="0" cy="0"/>
         </a:xfrm>
       </p:grpSpPr>
-      <p:sp>
-        <p:nvSpPr>
-          <p:cNvPr id="3" name="TextBox 2">
-            <a:extLst>
-              <a:ext uri="{FF2B5EF4-FFF2-40B4-BE49-F238E27FC236}">
-                <a16:creationId xmlns:a16="http://schemas.microsoft.com/office/drawing/2014/main" id="{721AD11B-6019-4245-85C7-F68C7DB422FC}"/>
-              </a:ext>
-            </a:extLst>
-          </p:cNvPr>
-          <p:cNvSpPr txBox="1"/>
-          <p:nvPr/>
-        </p:nvSpPr>
-        <p:spPr>
-          <a:xfrm>
-            <a:off x="1980674" y="1475277"/>
-            <a:ext cx="8230651" cy="646331"/>
-          </a:xfrm>
-          <a:prstGeom prst="rect">
-            <a:avLst/>
-          </a:prstGeom>
-          <a:noFill/>
-        </p:spPr>
-        <p:txBody>
-          <a:bodyPr wrap="none" rtlCol="0">
-            <a:spAutoFit/>
-          </a:bodyPr>
-          <a:lstStyle/>
-          <a:p>
-            <a:r>
-              <a:rPr lang="en-US" sz="3600" dirty="0">
-                <a:solidFill>
-                  <a:schemeClr val="bg1"/>
-                </a:solidFill>
-                <a:latin typeface="Lato" panose="020F0502020204030203" pitchFamily="34" charset="0"/>
-              </a:rPr>
-              <a:t>FROM WHAT YOU ARE LOOKING FOR</a:t>
-            </a:r>
-          </a:p>
-        </p:txBody>
-      </p:sp>
       <p:pic>
         <p:nvPicPr>
-          <p:cNvPr id="4" name="Picture 3">
-            <a:extLst>
-              <a:ext uri="{FF2B5EF4-FFF2-40B4-BE49-F238E27FC236}">
-                <a16:creationId xmlns:a16="http://schemas.microsoft.com/office/drawing/2014/main" id="{6C1B0088-BBA3-409F-A336-A19288C3F6CF}"/>
+          <p:cNvPr id="3" name="Picture 2">
+            <a:extLst>
+              <a:ext uri="{FF2B5EF4-FFF2-40B4-BE49-F238E27FC236}">
+                <a16:creationId xmlns:a16="http://schemas.microsoft.com/office/drawing/2014/main" id="{58DA6E02-6BD0-5640-AFF2-31682E3B2B1D}"/>
               </a:ext>
             </a:extLst>
           </p:cNvPr>
@@ -728,8 +688,8 @@
         </p:blipFill>
         <p:spPr>
           <a:xfrm>
-            <a:off x="1040102" y="0"/>
-            <a:ext cx="10113002" cy="6858817"/>
+            <a:off x="0" y="771028"/>
+            <a:ext cx="12192000" cy="5315943"/>
           </a:xfrm>
           <a:prstGeom prst="rect">
             <a:avLst/>
@@ -739,7 +699,7 @@
     </p:spTree>
     <p:extLst>
       <p:ext uri="{BB962C8B-B14F-4D97-AF65-F5344CB8AC3E}">
-        <p14:creationId xmlns:p14="http://schemas.microsoft.com/office/powerpoint/2010/main" val="1227699268"/>
+        <p14:creationId xmlns:p14="http://schemas.microsoft.com/office/powerpoint/2010/main" val="3884497534"/>
       </p:ext>
     </p:extLst>
   </p:cSld>
@@ -768,20 +728,76 @@
       </p:grpSpPr>
       <p:sp>
         <p:nvSpPr>
-          <p:cNvPr id="3" name="TextBox 2">
-            <a:extLst>
-              <a:ext uri="{FF2B5EF4-FFF2-40B4-BE49-F238E27FC236}">
-                <a16:creationId xmlns:a16="http://schemas.microsoft.com/office/drawing/2014/main" id="{721AD11B-6019-4245-85C7-F68C7DB422FC}"/>
-              </a:ext>
-            </a:extLst>
-          </p:cNvPr>
-          <p:cNvSpPr txBox="1"/>
+          <p:cNvPr id="7" name="Rectangle 6">
+            <a:extLst>
+              <a:ext uri="{FF2B5EF4-FFF2-40B4-BE49-F238E27FC236}">
+                <a16:creationId xmlns:a16="http://schemas.microsoft.com/office/drawing/2014/main" id="{215A2AB9-2625-4A12-98A4-F81051A7D6CC}"/>
+              </a:ext>
+            </a:extLst>
+          </p:cNvPr>
+          <p:cNvSpPr/>
           <p:nvPr/>
         </p:nvSpPr>
         <p:spPr>
           <a:xfrm>
-            <a:off x="1980674" y="1475277"/>
-            <a:ext cx="8230651" cy="646331"/>
+            <a:off x="1802" y="859665"/>
+            <a:ext cx="12192000" cy="5138670"/>
+          </a:xfrm>
+          <a:prstGeom prst="rect">
+            <a:avLst/>
+          </a:prstGeom>
+          <a:solidFill>
+            <a:srgbClr val="4F5B93"/>
+          </a:solidFill>
+          <a:ln>
+            <a:noFill/>
+          </a:ln>
+        </p:spPr>
+        <p:style>
+          <a:lnRef idx="2">
+            <a:schemeClr val="accent1">
+              <a:shade val="50000"/>
+            </a:schemeClr>
+          </a:lnRef>
+          <a:fillRef idx="1">
+            <a:schemeClr val="accent1"/>
+          </a:fillRef>
+          <a:effectRef idx="0">
+            <a:schemeClr val="accent1"/>
+          </a:effectRef>
+          <a:fontRef idx="minor">
+            <a:schemeClr val="lt1"/>
+          </a:fontRef>
+        </p:style>
+        <p:txBody>
+          <a:bodyPr rtlCol="0" anchor="ctr"/>
+          <a:lstStyle/>
+          <a:p>
+            <a:pPr algn="ctr"/>
+            <a:endParaRPr lang="en-US" sz="4800" dirty="0">
+              <a:latin typeface="Lato Black" panose="020F0A02020204030203" pitchFamily="34" charset="0"/>
+              <a:ea typeface="Open Sans ExtraBold" panose="020B0906030804020204" pitchFamily="34" charset="0"/>
+              <a:cs typeface="Open Sans ExtraBold" panose="020B0906030804020204" pitchFamily="34" charset="0"/>
+            </a:endParaRPr>
+          </a:p>
+        </p:txBody>
+      </p:sp>
+      <p:sp>
+        <p:nvSpPr>
+          <p:cNvPr id="3" name="TextBox 2">
+            <a:extLst>
+              <a:ext uri="{FF2B5EF4-FFF2-40B4-BE49-F238E27FC236}">
+                <a16:creationId xmlns:a16="http://schemas.microsoft.com/office/drawing/2014/main" id="{721AD11B-6019-4245-85C7-F68C7DB422FC}"/>
+              </a:ext>
+            </a:extLst>
+          </p:cNvPr>
+          <p:cNvSpPr txBox="1"/>
+          <p:nvPr/>
+        </p:nvSpPr>
+        <p:spPr>
+          <a:xfrm>
+            <a:off x="4694430" y="859665"/>
+            <a:ext cx="2803140" cy="646331"/>
           </a:xfrm>
           <a:prstGeom prst="rect">
             <a:avLst/>
@@ -801,51 +817,175 @@
                 </a:solidFill>
                 <a:latin typeface="Lato" panose="020F0502020204030203" pitchFamily="34" charset="0"/>
               </a:rPr>
-              <a:t>FROM WHAT YOU ARE LOOKING FOR</a:t>
+              <a:t>YOUR TURN</a:t>
             </a:r>
           </a:p>
         </p:txBody>
       </p:sp>
-      <p:pic>
-        <p:nvPicPr>
-          <p:cNvPr id="5" name="Picture 4">
-            <a:extLst>
-              <a:ext uri="{FF2B5EF4-FFF2-40B4-BE49-F238E27FC236}">
-                <a16:creationId xmlns:a16="http://schemas.microsoft.com/office/drawing/2014/main" id="{7A681369-9141-45F3-A446-FBAE12D7B0C7}"/>
-              </a:ext>
-            </a:extLst>
-          </p:cNvPr>
-          <p:cNvPicPr>
-            <a:picLocks noChangeAspect="1"/>
-          </p:cNvPicPr>
-          <p:nvPr/>
-        </p:nvPicPr>
-        <p:blipFill>
-          <a:blip r:embed="rId2">
-            <a:extLst>
-              <a:ext uri="{28A0092B-C50C-407E-A947-70E740481C1C}">
-                <a14:useLocalDpi xmlns:a14="http://schemas.microsoft.com/office/drawing/2010/main" val="0"/>
-              </a:ext>
-            </a:extLst>
-          </a:blip>
-          <a:stretch>
-            <a:fillRect/>
-          </a:stretch>
-        </p:blipFill>
+      <p:sp>
+        <p:nvSpPr>
+          <p:cNvPr id="5" name="TextBox 4">
+            <a:extLst>
+              <a:ext uri="{FF2B5EF4-FFF2-40B4-BE49-F238E27FC236}">
+                <a16:creationId xmlns:a16="http://schemas.microsoft.com/office/drawing/2014/main" id="{3F42389B-177A-4060-B412-80654A8B66DF}"/>
+              </a:ext>
+            </a:extLst>
+          </p:cNvPr>
+          <p:cNvSpPr txBox="1"/>
+          <p:nvPr/>
+        </p:nvSpPr>
         <p:spPr>
           <a:xfrm>
-            <a:off x="3272117" y="0"/>
-            <a:ext cx="5647765" cy="6858000"/>
+            <a:off x="1270000" y="1505996"/>
+            <a:ext cx="9652000" cy="3666517"/>
           </a:xfrm>
           <a:prstGeom prst="rect">
             <a:avLst/>
           </a:prstGeom>
+          <a:noFill/>
         </p:spPr>
-      </p:pic>
+        <p:txBody>
+          <a:bodyPr wrap="square" rtlCol="0">
+            <a:spAutoFit/>
+          </a:bodyPr>
+          <a:lstStyle/>
+          <a:p>
+            <a:pPr>
+              <a:lnSpc>
+                <a:spcPct val="200000"/>
+              </a:lnSpc>
+            </a:pPr>
+            <a:r>
+              <a:rPr lang="en-US" sz="2400" dirty="0">
+                <a:solidFill>
+                  <a:schemeClr val="bg1"/>
+                </a:solidFill>
+                <a:latin typeface="Lato" panose="020F0502020204030203" pitchFamily="34" charset="0"/>
+              </a:rPr>
+              <a:t>Stand up, one by one and speak loudly to the class :</a:t>
+            </a:r>
+          </a:p>
+          <a:p>
+            <a:pPr marL="342900" indent="-342900">
+              <a:lnSpc>
+                <a:spcPct val="200000"/>
+              </a:lnSpc>
+              <a:buFont typeface="Wingdings" panose="05000000000000000000" pitchFamily="2" charset="2"/>
+              <a:buChar char="ü"/>
+            </a:pPr>
+            <a:r>
+              <a:rPr lang="en-US" sz="2400" dirty="0">
+                <a:solidFill>
+                  <a:schemeClr val="bg1"/>
+                </a:solidFill>
+                <a:latin typeface="Lato" panose="020F0502020204030203" pitchFamily="34" charset="0"/>
+              </a:rPr>
+              <a:t>What’s your name ?</a:t>
+            </a:r>
+          </a:p>
+          <a:p>
+            <a:pPr marL="342900" indent="-342900">
+              <a:lnSpc>
+                <a:spcPct val="200000"/>
+              </a:lnSpc>
+              <a:buFont typeface="Wingdings" panose="05000000000000000000" pitchFamily="2" charset="2"/>
+              <a:buChar char="ü"/>
+            </a:pPr>
+            <a:r>
+              <a:rPr lang="en-US" sz="2400" dirty="0">
+                <a:solidFill>
+                  <a:schemeClr val="bg1"/>
+                </a:solidFill>
+                <a:latin typeface="Lato" panose="020F0502020204030203" pitchFamily="34" charset="0"/>
+              </a:rPr>
+              <a:t>What’re you doing?</a:t>
+            </a:r>
+          </a:p>
+          <a:p>
+            <a:pPr marL="342900" indent="-342900">
+              <a:lnSpc>
+                <a:spcPct val="200000"/>
+              </a:lnSpc>
+              <a:buFont typeface="Wingdings" panose="05000000000000000000" pitchFamily="2" charset="2"/>
+              <a:buChar char="ü"/>
+            </a:pPr>
+            <a:r>
+              <a:rPr lang="en-US" sz="2400" dirty="0">
+                <a:solidFill>
+                  <a:schemeClr val="bg1"/>
+                </a:solidFill>
+                <a:latin typeface="Lato" panose="020F0502020204030203" pitchFamily="34" charset="0"/>
+              </a:rPr>
+              <a:t>Describe your programming experience.</a:t>
+            </a:r>
+          </a:p>
+          <a:p>
+            <a:pPr marL="342900" indent="-342900">
+              <a:lnSpc>
+                <a:spcPct val="200000"/>
+              </a:lnSpc>
+              <a:buFont typeface="Wingdings" panose="05000000000000000000" pitchFamily="2" charset="2"/>
+              <a:buChar char="ü"/>
+            </a:pPr>
+            <a:r>
+              <a:rPr lang="en-US" sz="2400" dirty="0">
+                <a:solidFill>
+                  <a:schemeClr val="bg1"/>
+                </a:solidFill>
+                <a:latin typeface="Lato" panose="020F0502020204030203" pitchFamily="34" charset="0"/>
+              </a:rPr>
+              <a:t>What’re you looking for from this class?</a:t>
+            </a:r>
+          </a:p>
+        </p:txBody>
+      </p:sp>
+      <p:cxnSp>
+        <p:nvCxnSpPr>
+          <p:cNvPr id="6" name="Straight Connector 5">
+            <a:extLst>
+              <a:ext uri="{FF2B5EF4-FFF2-40B4-BE49-F238E27FC236}">
+                <a16:creationId xmlns:a16="http://schemas.microsoft.com/office/drawing/2014/main" id="{F16A3C48-EA66-44C5-9CBB-4017043D94A6}"/>
+              </a:ext>
+            </a:extLst>
+          </p:cNvPr>
+          <p:cNvCxnSpPr>
+            <a:cxnSpLocks/>
+          </p:cNvCxnSpPr>
+          <p:nvPr/>
+        </p:nvCxnSpPr>
+        <p:spPr>
+          <a:xfrm>
+            <a:off x="0" y="1505996"/>
+            <a:ext cx="12192000" cy="0"/>
+          </a:xfrm>
+          <a:prstGeom prst="line">
+            <a:avLst/>
+          </a:prstGeom>
+          <a:ln>
+            <a:solidFill>
+              <a:schemeClr val="bg1"/>
+            </a:solidFill>
+          </a:ln>
+        </p:spPr>
+        <p:style>
+          <a:lnRef idx="1">
+            <a:schemeClr val="accent1"/>
+          </a:lnRef>
+          <a:fillRef idx="0">
+            <a:schemeClr val="accent1"/>
+          </a:fillRef>
+          <a:effectRef idx="0">
+            <a:schemeClr val="accent1"/>
+          </a:effectRef>
+          <a:fontRef idx="minor">
+            <a:schemeClr val="tx1"/>
+          </a:fontRef>
+        </p:style>
+      </p:cxnSp>
     </p:spTree>
     <p:extLst>
       <p:ext uri="{BB962C8B-B14F-4D97-AF65-F5344CB8AC3E}">
-        <p14:creationId xmlns:p14="http://schemas.microsoft.com/office/powerpoint/2010/main" val="2524236270"/>
+        <p14:creationId xmlns:p14="http://schemas.microsoft.com/office/powerpoint/2010/main" val="1338757356"/>
       </p:ext>
     </p:extLst>
   </p:cSld>
@@ -2813,7 +2953,25 @@
                 </a:solidFill>
                 <a:latin typeface="Lato" panose="020F0502020204030203" pitchFamily="34" charset="0"/>
               </a:rPr>
-              <a:t>Full-Stack Web Developer at Pageworth.com.</a:t>
+              <a:t>Software Engineer at Axon Active (</a:t>
+            </a:r>
+            <a:r>
+              <a:rPr lang="en-US" sz="2400" dirty="0" err="1">
+                <a:solidFill>
+                  <a:schemeClr val="bg1"/>
+                </a:solidFill>
+                <a:latin typeface="Lato" panose="020F0502020204030203" pitchFamily="34" charset="0"/>
+              </a:rPr>
+              <a:t>axonactive.com</a:t>
+            </a:r>
+            <a:r>
+              <a:rPr lang="en-US" sz="2400" dirty="0">
+                <a:solidFill>
+                  <a:schemeClr val="bg1"/>
+                </a:solidFill>
+                <a:latin typeface="Lato" panose="020F0502020204030203" pitchFamily="34" charset="0"/>
+              </a:rPr>
+              <a:t>).</a:t>
             </a:r>
           </a:p>
           <a:p>
@@ -2849,7 +3007,7 @@
                 </a:solidFill>
                 <a:latin typeface="Lato" panose="020F0502020204030203" pitchFamily="34" charset="0"/>
               </a:rPr>
-              <a:t>Bachelor Of Software Technology ( late 2018 ).</a:t>
+              <a:t>Bachelor Of Software Technology (mid 2019).</a:t>
             </a:r>
           </a:p>
           <a:p>
@@ -4283,10 +4441,10 @@
       </p:grpSpPr>
       <p:sp>
         <p:nvSpPr>
-          <p:cNvPr id="7" name="Rectangle 6">
-            <a:extLst>
-              <a:ext uri="{FF2B5EF4-FFF2-40B4-BE49-F238E27FC236}">
-                <a16:creationId xmlns:a16="http://schemas.microsoft.com/office/drawing/2014/main" id="{215A2AB9-2625-4A12-98A4-F81051A7D6CC}"/>
+          <p:cNvPr id="5" name="Rectangle 4">
+            <a:extLst>
+              <a:ext uri="{FF2B5EF4-FFF2-40B4-BE49-F238E27FC236}">
+                <a16:creationId xmlns:a16="http://schemas.microsoft.com/office/drawing/2014/main" id="{3CB29F4B-70EB-4CE4-BA10-F1C0EACF5462}"/>
               </a:ext>
             </a:extLst>
           </p:cNvPr>
@@ -4351,8 +4509,8 @@
         </p:nvSpPr>
         <p:spPr>
           <a:xfrm>
-            <a:off x="4694430" y="859665"/>
-            <a:ext cx="2803140" cy="646331"/>
+            <a:off x="228849" y="1775533"/>
+            <a:ext cx="11734303" cy="1644937"/>
           </a:xfrm>
           <a:prstGeom prst="rect">
             <a:avLst/>
@@ -4365,6 +4523,11 @@
           </a:bodyPr>
           <a:lstStyle/>
           <a:p>
+            <a:pPr algn="ctr">
+              <a:lnSpc>
+                <a:spcPct val="150000"/>
+              </a:lnSpc>
+            </a:pPr>
             <a:r>
               <a:rPr lang="en-US" sz="3600" dirty="0">
                 <a:solidFill>
@@ -4372,175 +4535,67 @@
                 </a:solidFill>
                 <a:latin typeface="Lato" panose="020F0502020204030203" pitchFamily="34" charset="0"/>
               </a:rPr>
-              <a:t>YOUR TURN</a:t>
+              <a:t>WEB DEVELOPER 2019 ROADMAP</a:t>
+            </a:r>
+          </a:p>
+          <a:p>
+            <a:pPr algn="ctr">
+              <a:lnSpc>
+                <a:spcPct val="150000"/>
+              </a:lnSpc>
+            </a:pPr>
+            <a:r>
+              <a:rPr lang="en-US" sz="3600" dirty="0">
+                <a:solidFill>
+                  <a:schemeClr val="bg1"/>
+                </a:solidFill>
+                <a:latin typeface="Lato" panose="020F0502020204030203" pitchFamily="34" charset="0"/>
+              </a:rPr>
+              <a:t>https://</a:t>
+            </a:r>
+            <a:r>
+              <a:rPr lang="en-US" sz="3600" dirty="0" err="1">
+                <a:solidFill>
+                  <a:schemeClr val="bg1"/>
+                </a:solidFill>
+                <a:latin typeface="Lato" panose="020F0502020204030203" pitchFamily="34" charset="0"/>
+              </a:rPr>
+              <a:t>github.com</a:t>
+            </a:r>
+            <a:r>
+              <a:rPr lang="en-US" sz="3600" dirty="0">
+                <a:solidFill>
+                  <a:schemeClr val="bg1"/>
+                </a:solidFill>
+                <a:latin typeface="Lato" panose="020F0502020204030203" pitchFamily="34" charset="0"/>
+              </a:rPr>
+              <a:t>/</a:t>
+            </a:r>
+            <a:r>
+              <a:rPr lang="en-US" sz="3600" dirty="0" err="1">
+                <a:solidFill>
+                  <a:schemeClr val="bg1"/>
+                </a:solidFill>
+                <a:latin typeface="Lato" panose="020F0502020204030203" pitchFamily="34" charset="0"/>
+              </a:rPr>
+              <a:t>kamranahmedse</a:t>
+            </a:r>
+            <a:r>
+              <a:rPr lang="en-US" sz="3600" dirty="0">
+                <a:solidFill>
+                  <a:schemeClr val="bg1"/>
+                </a:solidFill>
+                <a:latin typeface="Lato" panose="020F0502020204030203" pitchFamily="34" charset="0"/>
+              </a:rPr>
+              <a:t>/developer-roadmap</a:t>
             </a:r>
           </a:p>
         </p:txBody>
       </p:sp>
-      <p:sp>
-        <p:nvSpPr>
-          <p:cNvPr id="5" name="TextBox 4">
-            <a:extLst>
-              <a:ext uri="{FF2B5EF4-FFF2-40B4-BE49-F238E27FC236}">
-                <a16:creationId xmlns:a16="http://schemas.microsoft.com/office/drawing/2014/main" id="{3F42389B-177A-4060-B412-80654A8B66DF}"/>
-              </a:ext>
-            </a:extLst>
-          </p:cNvPr>
-          <p:cNvSpPr txBox="1"/>
-          <p:nvPr/>
-        </p:nvSpPr>
-        <p:spPr>
-          <a:xfrm>
-            <a:off x="1270000" y="1505996"/>
-            <a:ext cx="9652000" cy="3666517"/>
-          </a:xfrm>
-          <a:prstGeom prst="rect">
-            <a:avLst/>
-          </a:prstGeom>
-          <a:noFill/>
-        </p:spPr>
-        <p:txBody>
-          <a:bodyPr wrap="square" rtlCol="0">
-            <a:spAutoFit/>
-          </a:bodyPr>
-          <a:lstStyle/>
-          <a:p>
-            <a:pPr>
-              <a:lnSpc>
-                <a:spcPct val="200000"/>
-              </a:lnSpc>
-            </a:pPr>
-            <a:r>
-              <a:rPr lang="en-US" sz="2400" dirty="0">
-                <a:solidFill>
-                  <a:schemeClr val="bg1"/>
-                </a:solidFill>
-                <a:latin typeface="Lato" panose="020F0502020204030203" pitchFamily="34" charset="0"/>
-              </a:rPr>
-              <a:t>Stand up, one by one and speak loudly to the class :</a:t>
-            </a:r>
-          </a:p>
-          <a:p>
-            <a:pPr marL="342900" indent="-342900">
-              <a:lnSpc>
-                <a:spcPct val="200000"/>
-              </a:lnSpc>
-              <a:buFont typeface="Wingdings" panose="05000000000000000000" pitchFamily="2" charset="2"/>
-              <a:buChar char="ü"/>
-            </a:pPr>
-            <a:r>
-              <a:rPr lang="en-US" sz="2400" dirty="0">
-                <a:solidFill>
-                  <a:schemeClr val="bg1"/>
-                </a:solidFill>
-                <a:latin typeface="Lato" panose="020F0502020204030203" pitchFamily="34" charset="0"/>
-              </a:rPr>
-              <a:t>What’s your name ?</a:t>
-            </a:r>
-          </a:p>
-          <a:p>
-            <a:pPr marL="342900" indent="-342900">
-              <a:lnSpc>
-                <a:spcPct val="200000"/>
-              </a:lnSpc>
-              <a:buFont typeface="Wingdings" panose="05000000000000000000" pitchFamily="2" charset="2"/>
-              <a:buChar char="ü"/>
-            </a:pPr>
-            <a:r>
-              <a:rPr lang="en-US" sz="2400" dirty="0">
-                <a:solidFill>
-                  <a:schemeClr val="bg1"/>
-                </a:solidFill>
-                <a:latin typeface="Lato" panose="020F0502020204030203" pitchFamily="34" charset="0"/>
-              </a:rPr>
-              <a:t>What’re you doing?</a:t>
-            </a:r>
-          </a:p>
-          <a:p>
-            <a:pPr marL="342900" indent="-342900">
-              <a:lnSpc>
-                <a:spcPct val="200000"/>
-              </a:lnSpc>
-              <a:buFont typeface="Wingdings" panose="05000000000000000000" pitchFamily="2" charset="2"/>
-              <a:buChar char="ü"/>
-            </a:pPr>
-            <a:r>
-              <a:rPr lang="en-US" sz="2400" dirty="0">
-                <a:solidFill>
-                  <a:schemeClr val="bg1"/>
-                </a:solidFill>
-                <a:latin typeface="Lato" panose="020F0502020204030203" pitchFamily="34" charset="0"/>
-              </a:rPr>
-              <a:t>Describe your programming experience.</a:t>
-            </a:r>
-          </a:p>
-          <a:p>
-            <a:pPr marL="342900" indent="-342900">
-              <a:lnSpc>
-                <a:spcPct val="200000"/>
-              </a:lnSpc>
-              <a:buFont typeface="Wingdings" panose="05000000000000000000" pitchFamily="2" charset="2"/>
-              <a:buChar char="ü"/>
-            </a:pPr>
-            <a:r>
-              <a:rPr lang="en-US" sz="2400" dirty="0">
-                <a:solidFill>
-                  <a:schemeClr val="bg1"/>
-                </a:solidFill>
-                <a:latin typeface="Lato" panose="020F0502020204030203" pitchFamily="34" charset="0"/>
-              </a:rPr>
-              <a:t>What’re you looking for from this class?</a:t>
-            </a:r>
-          </a:p>
-        </p:txBody>
-      </p:sp>
-      <p:cxnSp>
-        <p:nvCxnSpPr>
-          <p:cNvPr id="6" name="Straight Connector 5">
-            <a:extLst>
-              <a:ext uri="{FF2B5EF4-FFF2-40B4-BE49-F238E27FC236}">
-                <a16:creationId xmlns:a16="http://schemas.microsoft.com/office/drawing/2014/main" id="{F16A3C48-EA66-44C5-9CBB-4017043D94A6}"/>
-              </a:ext>
-            </a:extLst>
-          </p:cNvPr>
-          <p:cNvCxnSpPr>
-            <a:cxnSpLocks/>
-          </p:cNvCxnSpPr>
-          <p:nvPr/>
-        </p:nvCxnSpPr>
-        <p:spPr>
-          <a:xfrm>
-            <a:off x="0" y="1505996"/>
-            <a:ext cx="12192000" cy="0"/>
-          </a:xfrm>
-          <a:prstGeom prst="line">
-            <a:avLst/>
-          </a:prstGeom>
-          <a:ln>
-            <a:solidFill>
-              <a:schemeClr val="bg1"/>
-            </a:solidFill>
-          </a:ln>
-        </p:spPr>
-        <p:style>
-          <a:lnRef idx="1">
-            <a:schemeClr val="accent1"/>
-          </a:lnRef>
-          <a:fillRef idx="0">
-            <a:schemeClr val="accent1"/>
-          </a:fillRef>
-          <a:effectRef idx="0">
-            <a:schemeClr val="accent1"/>
-          </a:effectRef>
-          <a:fontRef idx="minor">
-            <a:schemeClr val="tx1"/>
-          </a:fontRef>
-        </p:style>
-      </p:cxnSp>
     </p:spTree>
     <p:extLst>
       <p:ext uri="{BB962C8B-B14F-4D97-AF65-F5344CB8AC3E}">
-        <p14:creationId xmlns:p14="http://schemas.microsoft.com/office/powerpoint/2010/main" val="1338757356"/>
+        <p14:creationId xmlns:p14="http://schemas.microsoft.com/office/powerpoint/2010/main" val="40359613"/>
       </p:ext>
     </p:extLst>
   </p:cSld>
@@ -4569,76 +4624,20 @@
       </p:grpSpPr>
       <p:sp>
         <p:nvSpPr>
-          <p:cNvPr id="5" name="Rectangle 4">
-            <a:extLst>
-              <a:ext uri="{FF2B5EF4-FFF2-40B4-BE49-F238E27FC236}">
-                <a16:creationId xmlns:a16="http://schemas.microsoft.com/office/drawing/2014/main" id="{3CB29F4B-70EB-4CE4-BA10-F1C0EACF5462}"/>
-              </a:ext>
-            </a:extLst>
-          </p:cNvPr>
-          <p:cNvSpPr/>
+          <p:cNvPr id="3" name="TextBox 2">
+            <a:extLst>
+              <a:ext uri="{FF2B5EF4-FFF2-40B4-BE49-F238E27FC236}">
+                <a16:creationId xmlns:a16="http://schemas.microsoft.com/office/drawing/2014/main" id="{721AD11B-6019-4245-85C7-F68C7DB422FC}"/>
+              </a:ext>
+            </a:extLst>
+          </p:cNvPr>
+          <p:cNvSpPr txBox="1"/>
           <p:nvPr/>
         </p:nvSpPr>
         <p:spPr>
           <a:xfrm>
-            <a:off x="1802" y="859665"/>
-            <a:ext cx="12192000" cy="5138670"/>
-          </a:xfrm>
-          <a:prstGeom prst="rect">
-            <a:avLst/>
-          </a:prstGeom>
-          <a:solidFill>
-            <a:srgbClr val="4F5B93"/>
-          </a:solidFill>
-          <a:ln>
-            <a:noFill/>
-          </a:ln>
-        </p:spPr>
-        <p:style>
-          <a:lnRef idx="2">
-            <a:schemeClr val="accent1">
-              <a:shade val="50000"/>
-            </a:schemeClr>
-          </a:lnRef>
-          <a:fillRef idx="1">
-            <a:schemeClr val="accent1"/>
-          </a:fillRef>
-          <a:effectRef idx="0">
-            <a:schemeClr val="accent1"/>
-          </a:effectRef>
-          <a:fontRef idx="minor">
-            <a:schemeClr val="lt1"/>
-          </a:fontRef>
-        </p:style>
-        <p:txBody>
-          <a:bodyPr rtlCol="0" anchor="ctr"/>
-          <a:lstStyle/>
-          <a:p>
-            <a:pPr algn="ctr"/>
-            <a:endParaRPr lang="en-US" sz="4800" dirty="0">
-              <a:latin typeface="Lato Black" panose="020F0A02020204030203" pitchFamily="34" charset="0"/>
-              <a:ea typeface="Open Sans ExtraBold" panose="020B0906030804020204" pitchFamily="34" charset="0"/>
-              <a:cs typeface="Open Sans ExtraBold" panose="020B0906030804020204" pitchFamily="34" charset="0"/>
-            </a:endParaRPr>
-          </a:p>
-        </p:txBody>
-      </p:sp>
-      <p:sp>
-        <p:nvSpPr>
-          <p:cNvPr id="3" name="TextBox 2">
-            <a:extLst>
-              <a:ext uri="{FF2B5EF4-FFF2-40B4-BE49-F238E27FC236}">
-                <a16:creationId xmlns:a16="http://schemas.microsoft.com/office/drawing/2014/main" id="{721AD11B-6019-4245-85C7-F68C7DB422FC}"/>
-              </a:ext>
-            </a:extLst>
-          </p:cNvPr>
-          <p:cNvSpPr txBox="1"/>
-          <p:nvPr/>
-        </p:nvSpPr>
-        <p:spPr>
-          <a:xfrm>
-            <a:off x="303678" y="1775533"/>
-            <a:ext cx="11584646" cy="3306931"/>
+            <a:off x="1980674" y="1475277"/>
+            <a:ext cx="8230651" cy="646331"/>
           </a:xfrm>
           <a:prstGeom prst="rect">
             <a:avLst/>
@@ -4651,11 +4650,6 @@
           </a:bodyPr>
           <a:lstStyle/>
           <a:p>
-            <a:pPr algn="ctr">
-              <a:lnSpc>
-                <a:spcPct val="150000"/>
-              </a:lnSpc>
-            </a:pPr>
             <a:r>
               <a:rPr lang="en-US" sz="3600" dirty="0">
                 <a:solidFill>
@@ -4663,81 +4657,51 @@
                 </a:solidFill>
                 <a:latin typeface="Lato" panose="020F0502020204030203" pitchFamily="34" charset="0"/>
               </a:rPr>
-              <a:t>WEB DEVELOPER 2018 ROADMAP</a:t>
-            </a:r>
-          </a:p>
-          <a:p>
-            <a:pPr algn="ctr">
-              <a:lnSpc>
-                <a:spcPct val="150000"/>
-              </a:lnSpc>
-            </a:pPr>
-            <a:r>
-              <a:rPr lang="en-US" sz="3600" dirty="0">
-                <a:solidFill>
-                  <a:schemeClr val="bg1"/>
-                </a:solidFill>
-                <a:latin typeface="Lato" panose="020F0502020204030203" pitchFamily="34" charset="0"/>
-              </a:rPr>
-              <a:t>FOR WHAT YOU ARE LOOKING FOR</a:t>
-            </a:r>
-          </a:p>
-          <a:p>
-            <a:pPr algn="ctr">
-              <a:lnSpc>
-                <a:spcPct val="150000"/>
-              </a:lnSpc>
-            </a:pPr>
-            <a:r>
-              <a:rPr lang="en-US" sz="3600" dirty="0">
-                <a:solidFill>
-                  <a:schemeClr val="bg1"/>
-                </a:solidFill>
-                <a:latin typeface="Lato" panose="020F0502020204030203" pitchFamily="34" charset="0"/>
-              </a:rPr>
-              <a:t>AND YOUR EXPERIENCE</a:t>
-            </a:r>
-          </a:p>
-          <a:p>
-            <a:pPr algn="ctr">
-              <a:lnSpc>
-                <a:spcPct val="150000"/>
-              </a:lnSpc>
-            </a:pPr>
-            <a:r>
-              <a:rPr lang="en-US" sz="3600" dirty="0">
-                <a:solidFill>
-                  <a:schemeClr val="bg1"/>
-                </a:solidFill>
-                <a:latin typeface="Lato" panose="020F0502020204030203" pitchFamily="34" charset="0"/>
-              </a:rPr>
-              <a:t>FROM github.com/</a:t>
-            </a:r>
-            <a:r>
-              <a:rPr lang="en-US" sz="3600" dirty="0" err="1">
-                <a:solidFill>
-                  <a:schemeClr val="bg1"/>
-                </a:solidFill>
-                <a:latin typeface="Lato" panose="020F0502020204030203" pitchFamily="34" charset="0"/>
-              </a:rPr>
-              <a:t>kamranahmedse</a:t>
-            </a:r>
-            <a:r>
-              <a:rPr lang="en-US" sz="3600" dirty="0">
-                <a:solidFill>
-                  <a:schemeClr val="bg1"/>
-                </a:solidFill>
-                <a:latin typeface="Lato" panose="020F0502020204030203" pitchFamily="34" charset="0"/>
-              </a:rPr>
-              <a:t>/developer-roadmap</a:t>
+              <a:t>FROM WHAT YOU ARE LOOKING FOR</a:t>
             </a:r>
           </a:p>
         </p:txBody>
       </p:sp>
+      <p:pic>
+        <p:nvPicPr>
+          <p:cNvPr id="4" name="Picture 3" descr="A screenshot of a cell phone&#13;&#10;&#13;&#10;Description automatically generated">
+            <a:extLst>
+              <a:ext uri="{FF2B5EF4-FFF2-40B4-BE49-F238E27FC236}">
+                <a16:creationId xmlns:a16="http://schemas.microsoft.com/office/drawing/2014/main" id="{9E02DD76-CB58-AA46-BE46-EB482C2B6E89}"/>
+              </a:ext>
+            </a:extLst>
+          </p:cNvPr>
+          <p:cNvPicPr>
+            <a:picLocks noChangeAspect="1"/>
+          </p:cNvPicPr>
+          <p:nvPr/>
+        </p:nvPicPr>
+        <p:blipFill>
+          <a:blip r:embed="rId2">
+            <a:extLst>
+              <a:ext uri="{28A0092B-C50C-407E-A947-70E740481C1C}">
+                <a14:useLocalDpi xmlns:a14="http://schemas.microsoft.com/office/drawing/2010/main" val="0"/>
+              </a:ext>
+            </a:extLst>
+          </a:blip>
+          <a:stretch>
+            <a:fillRect/>
+          </a:stretch>
+        </p:blipFill>
+        <p:spPr>
+          <a:xfrm>
+            <a:off x="150365" y="1046603"/>
+            <a:ext cx="11946155" cy="4786787"/>
+          </a:xfrm>
+          <a:prstGeom prst="rect">
+            <a:avLst/>
+          </a:prstGeom>
+        </p:spPr>
+      </p:pic>
     </p:spTree>
     <p:extLst>
       <p:ext uri="{BB962C8B-B14F-4D97-AF65-F5344CB8AC3E}">
-        <p14:creationId xmlns:p14="http://schemas.microsoft.com/office/powerpoint/2010/main" val="1595820827"/>
+        <p14:creationId xmlns:p14="http://schemas.microsoft.com/office/powerpoint/2010/main" val="1030166776"/>
       </p:ext>
     </p:extLst>
   </p:cSld>
@@ -4806,10 +4770,10 @@
       </p:sp>
       <p:pic>
         <p:nvPicPr>
-          <p:cNvPr id="9" name="Picture 8">
-            <a:extLst>
-              <a:ext uri="{FF2B5EF4-FFF2-40B4-BE49-F238E27FC236}">
-                <a16:creationId xmlns:a16="http://schemas.microsoft.com/office/drawing/2014/main" id="{FCDC0ECB-856A-4170-AE25-BF025B16FF24}"/>
+          <p:cNvPr id="5" name="Picture 4" descr="A close up of a machine&#13;&#10;&#13;&#10;Description automatically generated">
+            <a:extLst>
+              <a:ext uri="{FF2B5EF4-FFF2-40B4-BE49-F238E27FC236}">
+                <a16:creationId xmlns:a16="http://schemas.microsoft.com/office/drawing/2014/main" id="{960C59E2-36E2-6247-A369-86C5D31CE2D4}"/>
               </a:ext>
             </a:extLst>
           </p:cNvPr>
@@ -4832,8 +4796,8 @@
         </p:blipFill>
         <p:spPr>
           <a:xfrm>
-            <a:off x="289084" y="903335"/>
-            <a:ext cx="11613832" cy="5051330"/>
+            <a:off x="4819038" y="0"/>
+            <a:ext cx="2553924" cy="6858000"/>
           </a:xfrm>
           <a:prstGeom prst="rect">
             <a:avLst/>
@@ -4843,7 +4807,7 @@
     </p:spTree>
     <p:extLst>
       <p:ext uri="{BB962C8B-B14F-4D97-AF65-F5344CB8AC3E}">
-        <p14:creationId xmlns:p14="http://schemas.microsoft.com/office/powerpoint/2010/main" val="2922781969"/>
+        <p14:creationId xmlns:p14="http://schemas.microsoft.com/office/powerpoint/2010/main" val="1051432822"/>
       </p:ext>
     </p:extLst>
   </p:cSld>
@@ -4912,10 +4876,10 @@
       </p:sp>
       <p:pic>
         <p:nvPicPr>
-          <p:cNvPr id="4" name="Picture 3">
-            <a:extLst>
-              <a:ext uri="{FF2B5EF4-FFF2-40B4-BE49-F238E27FC236}">
-                <a16:creationId xmlns:a16="http://schemas.microsoft.com/office/drawing/2014/main" id="{5DE0DC54-9FC9-48F1-A101-0C975A816654}"/>
+          <p:cNvPr id="4" name="Picture 3" descr="A screenshot of a computer&#13;&#10;&#13;&#10;Description automatically generated">
+            <a:extLst>
+              <a:ext uri="{FF2B5EF4-FFF2-40B4-BE49-F238E27FC236}">
+                <a16:creationId xmlns:a16="http://schemas.microsoft.com/office/drawing/2014/main" id="{3642A848-289B-284D-AFDB-BB6F952426A6}"/>
               </a:ext>
             </a:extLst>
           </p:cNvPr>
@@ -4938,8 +4902,8 @@
         </p:blipFill>
         <p:spPr>
           <a:xfrm>
-            <a:off x="3317525" y="0"/>
-            <a:ext cx="5556950" cy="6858000"/>
+            <a:off x="4872990" y="0"/>
+            <a:ext cx="2446020" cy="6858000"/>
           </a:xfrm>
           <a:prstGeom prst="rect">
             <a:avLst/>
@@ -4949,7 +4913,7 @@
     </p:spTree>
     <p:extLst>
       <p:ext uri="{BB962C8B-B14F-4D97-AF65-F5344CB8AC3E}">
-        <p14:creationId xmlns:p14="http://schemas.microsoft.com/office/powerpoint/2010/main" val="355040812"/>
+        <p14:creationId xmlns:p14="http://schemas.microsoft.com/office/powerpoint/2010/main" val="2017144871"/>
       </p:ext>
     </p:extLst>
   </p:cSld>
@@ -5018,10 +4982,10 @@
       </p:sp>
       <p:pic>
         <p:nvPicPr>
-          <p:cNvPr id="5" name="Picture 4">
-            <a:extLst>
-              <a:ext uri="{FF2B5EF4-FFF2-40B4-BE49-F238E27FC236}">
-                <a16:creationId xmlns:a16="http://schemas.microsoft.com/office/drawing/2014/main" id="{1415217C-4FED-4B4D-9FDF-232C97E6D828}"/>
+          <p:cNvPr id="4" name="Picture 3" descr="A screenshot of a cell phone&#13;&#10;&#13;&#10;Description automatically generated">
+            <a:extLst>
+              <a:ext uri="{FF2B5EF4-FFF2-40B4-BE49-F238E27FC236}">
+                <a16:creationId xmlns:a16="http://schemas.microsoft.com/office/drawing/2014/main" id="{87EFBC4E-FC61-FA43-BAF1-7B2917AE43F0}"/>
               </a:ext>
             </a:extLst>
           </p:cNvPr>
@@ -5044,8 +5008,8 @@
         </p:blipFill>
         <p:spPr>
           <a:xfrm>
-            <a:off x="3734657" y="0"/>
-            <a:ext cx="4722685" cy="6858000"/>
+            <a:off x="4188251" y="0"/>
+            <a:ext cx="3815497" cy="6858000"/>
           </a:xfrm>
           <a:prstGeom prst="rect">
             <a:avLst/>
@@ -5055,7 +5019,7 @@
     </p:spTree>
     <p:extLst>
       <p:ext uri="{BB962C8B-B14F-4D97-AF65-F5344CB8AC3E}">
-        <p14:creationId xmlns:p14="http://schemas.microsoft.com/office/powerpoint/2010/main" val="3126791648"/>
+        <p14:creationId xmlns:p14="http://schemas.microsoft.com/office/powerpoint/2010/main" val="1851161205"/>
       </p:ext>
     </p:extLst>
   </p:cSld>

--- a/PHP/slides/0-PHP-Greeting.pptx
+++ b/PHP/slides/0-PHP-Greeting.pptx
@@ -2953,7 +2953,7 @@
                 </a:solidFill>
                 <a:latin typeface="Lato" panose="020F0502020204030203" pitchFamily="34" charset="0"/>
               </a:rPr>
-              <a:t>Software Engineer at Axon Active (</a:t>
+              <a:t>Scrum Master/Team Leader at Axon Active (</a:t>
             </a:r>
             <a:r>
               <a:rPr lang="en-US" sz="2400" dirty="0" err="1">
@@ -3007,7 +3007,7 @@
                 </a:solidFill>
                 <a:latin typeface="Lato" panose="020F0502020204030203" pitchFamily="34" charset="0"/>
               </a:rPr>
-              <a:t>Bachelor Of Software Technology (mid 2019).</a:t>
+              <a:t>Bachelor Of Software Technology.</a:t>
             </a:r>
           </a:p>
           <a:p>

--- a/PHP/slides/0-PHP-Greeting.pptx
+++ b/PHP/slides/0-PHP-Greeting.pptx
@@ -15,11 +15,12 @@
     <p:sldId id="266" r:id="rId9"/>
     <p:sldId id="268" r:id="rId10"/>
     <p:sldId id="272" r:id="rId11"/>
-    <p:sldId id="259" r:id="rId12"/>
-    <p:sldId id="260" r:id="rId13"/>
-    <p:sldId id="269" r:id="rId14"/>
-    <p:sldId id="271" r:id="rId15"/>
-    <p:sldId id="270" r:id="rId16"/>
+    <p:sldId id="273" r:id="rId12"/>
+    <p:sldId id="259" r:id="rId13"/>
+    <p:sldId id="260" r:id="rId14"/>
+    <p:sldId id="269" r:id="rId15"/>
+    <p:sldId id="271" r:id="rId16"/>
+    <p:sldId id="270" r:id="rId17"/>
   </p:sldIdLst>
   <p:sldSz cx="12192000" cy="6858000"/>
   <p:notesSz cx="6858000" cy="9144000"/>
@@ -726,6 +727,72 @@
           <a:chExt cx="0" cy="0"/>
         </a:xfrm>
       </p:grpSpPr>
+      <p:pic>
+        <p:nvPicPr>
+          <p:cNvPr id="3" name="Picture 2">
+            <a:extLst>
+              <a:ext uri="{FF2B5EF4-FFF2-40B4-BE49-F238E27FC236}">
+                <a16:creationId xmlns:a16="http://schemas.microsoft.com/office/drawing/2014/main" id="{E7C83069-ADF1-5943-AE89-3E46846C47B9}"/>
+              </a:ext>
+            </a:extLst>
+          </p:cNvPr>
+          <p:cNvPicPr>
+            <a:picLocks noChangeAspect="1"/>
+          </p:cNvPicPr>
+          <p:nvPr/>
+        </p:nvPicPr>
+        <p:blipFill>
+          <a:blip r:embed="rId2">
+            <a:extLst>
+              <a:ext uri="{28A0092B-C50C-407E-A947-70E740481C1C}">
+                <a14:useLocalDpi xmlns:a14="http://schemas.microsoft.com/office/drawing/2010/main" val="0"/>
+              </a:ext>
+            </a:extLst>
+          </a:blip>
+          <a:stretch>
+            <a:fillRect/>
+          </a:stretch>
+        </p:blipFill>
+        <p:spPr>
+          <a:xfrm>
+            <a:off x="0" y="719666"/>
+            <a:ext cx="12192000" cy="5418667"/>
+          </a:xfrm>
+          <a:prstGeom prst="rect">
+            <a:avLst/>
+          </a:prstGeom>
+        </p:spPr>
+      </p:pic>
+    </p:spTree>
+    <p:extLst>
+      <p:ext uri="{BB962C8B-B14F-4D97-AF65-F5344CB8AC3E}">
+        <p14:creationId xmlns:p14="http://schemas.microsoft.com/office/powerpoint/2010/main" val="1362507329"/>
+      </p:ext>
+    </p:extLst>
+  </p:cSld>
+  <p:clrMapOvr>
+    <a:masterClrMapping/>
+  </p:clrMapOvr>
+</p:sld>
+</file>
+
+<file path=ppt/slides/slide12.xml><?xml version="1.0" encoding="utf-8"?>
+<p:sld xmlns:a="http://schemas.openxmlformats.org/drawingml/2006/main" xmlns:r="http://schemas.openxmlformats.org/officeDocument/2006/relationships" xmlns:p="http://schemas.openxmlformats.org/presentationml/2006/main">
+  <p:cSld>
+    <p:spTree>
+      <p:nvGrpSpPr>
+        <p:cNvPr id="1" name=""/>
+        <p:cNvGrpSpPr/>
+        <p:nvPr/>
+      </p:nvGrpSpPr>
+      <p:grpSpPr>
+        <a:xfrm>
+          <a:off x="0" y="0"/>
+          <a:ext cx="0" cy="0"/>
+          <a:chOff x="0" y="0"/>
+          <a:chExt cx="0" cy="0"/>
+        </a:xfrm>
+      </p:grpSpPr>
       <p:sp>
         <p:nvSpPr>
           <p:cNvPr id="7" name="Rectangle 6">
@@ -995,7 +1062,7 @@
 </p:sld>
 </file>
 
-<file path=ppt/slides/slide12.xml><?xml version="1.0" encoding="utf-8"?>
+<file path=ppt/slides/slide13.xml><?xml version="1.0" encoding="utf-8"?>
 <p:sld xmlns:a="http://schemas.openxmlformats.org/drawingml/2006/main" xmlns:r="http://schemas.openxmlformats.org/officeDocument/2006/relationships" xmlns:p="http://schemas.openxmlformats.org/presentationml/2006/main">
   <p:cSld>
     <p:spTree>
@@ -1123,7 +1190,7 @@
         <p:spPr>
           <a:xfrm>
             <a:off x="279401" y="1520414"/>
-            <a:ext cx="11633198" cy="3343351"/>
+            <a:ext cx="11633198" cy="2789353"/>
           </a:xfrm>
           <a:prstGeom prst="rect">
             <a:avLst/>
@@ -1184,7 +1251,7 @@
                 </a:solidFill>
                 <a:latin typeface="Lato" panose="020F0502020204030203" pitchFamily="34" charset="0"/>
               </a:rPr>
-              <a:t>MySQL &amp; PHP connect to Database : 8 hours – 2 sessions.</a:t>
+              <a:t>MySQL &amp; PHP connect to Database : 12 hours – 3 sessions.</a:t>
             </a:r>
           </a:p>
           <a:p>
@@ -1202,7 +1269,7 @@
                 </a:solidFill>
                 <a:latin typeface="Lato" panose="020F0502020204030203" pitchFamily="34" charset="0"/>
               </a:rPr>
-              <a:t>PHP OOP &amp; PHP MVC : 4 hours – 1 sessions.</a:t>
+              <a:t>PHP OOP &amp; PHP MVC : 8 hours – 1 sessions.</a:t>
             </a:r>
           </a:p>
           <a:p>
@@ -1220,7 +1287,7 @@
                 </a:solidFill>
                 <a:latin typeface="Lato" panose="020F0502020204030203" pitchFamily="34" charset="0"/>
               </a:rPr>
-              <a:t>Using Laravel Framework and MySQL to build Blog Website : 40 hours </a:t>
+              <a:t>Using Laravel Framework and MySQL to build Website : 36 hours </a:t>
             </a:r>
             <a:r>
               <a:rPr lang="en-US" sz="2400">
@@ -1229,7 +1296,7 @@
                 </a:solidFill>
                 <a:latin typeface="Lato" panose="020F0502020204030203" pitchFamily="34" charset="0"/>
               </a:rPr>
-              <a:t>– 10 </a:t>
+              <a:t>– 9 </a:t>
             </a:r>
             <a:r>
               <a:rPr lang="en-US" sz="2400" dirty="0">
@@ -1352,7 +1419,7 @@
 </p:sld>
 </file>
 
-<file path=ppt/slides/slide13.xml><?xml version="1.0" encoding="utf-8"?>
+<file path=ppt/slides/slide14.xml><?xml version="1.0" encoding="utf-8"?>
 <p:sld xmlns:a="http://schemas.openxmlformats.org/drawingml/2006/main" xmlns:r="http://schemas.openxmlformats.org/officeDocument/2006/relationships" xmlns:p="http://schemas.openxmlformats.org/presentationml/2006/main">
   <p:cSld>
     <p:spTree>
@@ -1760,7 +1827,7 @@
 </p:sld>
 </file>
 
-<file path=ppt/slides/slide14.xml><?xml version="1.0" encoding="utf-8"?>
+<file path=ppt/slides/slide15.xml><?xml version="1.0" encoding="utf-8"?>
 <p:sld xmlns:a="http://schemas.openxmlformats.org/drawingml/2006/main" xmlns:r="http://schemas.openxmlformats.org/officeDocument/2006/relationships" xmlns:p="http://schemas.openxmlformats.org/presentationml/2006/main">
   <p:cSld>
     <p:spTree>
@@ -2175,7 +2242,7 @@
 </p:sld>
 </file>
 
-<file path=ppt/slides/slide15.xml><?xml version="1.0" encoding="utf-8"?>
+<file path=ppt/slides/slide16.xml><?xml version="1.0" encoding="utf-8"?>
 <p:sld xmlns:a="http://schemas.openxmlformats.org/drawingml/2006/main" xmlns:r="http://schemas.openxmlformats.org/officeDocument/2006/relationships" xmlns:p="http://schemas.openxmlformats.org/presentationml/2006/main">
   <p:cSld>
     <p:spTree>
@@ -2513,7 +2580,41 @@
                 <a:latin typeface="Lato" panose="020F0502020204030203" pitchFamily="34" charset="0"/>
                 <a:ea typeface="Roboto" panose="02000000000000000000" pitchFamily="2" charset="0"/>
               </a:rPr>
-              <a:t> 10 or Ubuntu 16.04.</a:t>
+              <a:t> 10</a:t>
+            </a:r>
+          </a:p>
+          <a:p>
+            <a:pPr>
+              <a:lnSpc>
+                <a:spcPct val="150000"/>
+              </a:lnSpc>
+            </a:pPr>
+            <a:r>
+              <a:rPr lang="en-US" sz="2400" dirty="0">
+                <a:solidFill>
+                  <a:schemeClr val="bg1"/>
+                </a:solidFill>
+                <a:latin typeface="Lato" panose="020F0502020204030203" pitchFamily="34" charset="0"/>
+                <a:ea typeface="Roboto" panose="02000000000000000000" pitchFamily="2" charset="0"/>
+              </a:rPr>
+              <a:t>or Ubuntu ^16.04 </a:t>
+            </a:r>
+          </a:p>
+          <a:p>
+            <a:pPr>
+              <a:lnSpc>
+                <a:spcPct val="150000"/>
+              </a:lnSpc>
+            </a:pPr>
+            <a:r>
+              <a:rPr lang="en-US" sz="2400" dirty="0">
+                <a:solidFill>
+                  <a:schemeClr val="bg1"/>
+                </a:solidFill>
+                <a:latin typeface="Lato" panose="020F0502020204030203" pitchFamily="34" charset="0"/>
+                <a:ea typeface="Roboto" panose="02000000000000000000" pitchFamily="2" charset="0"/>
+              </a:rPr>
+              <a:t>or macOS Catalina.</a:t>
             </a:r>
           </a:p>
           <a:p>
@@ -2619,7 +2720,7 @@
                 <a:latin typeface="Lato" panose="020F0502020204030203" pitchFamily="34" charset="0"/>
                 <a:ea typeface="Roboto" panose="02000000000000000000" pitchFamily="2" charset="0"/>
               </a:rPr>
-              <a:t> for Windows PHP 7.0</a:t>
+              <a:t> for Windows (PHP ^7.2)</a:t>
             </a:r>
             <a:r>
               <a:rPr lang="vi-VN" sz="2400" dirty="0">
@@ -2638,51 +2739,6 @@
               <a:latin typeface="Lato" panose="020F0502020204030203" pitchFamily="34" charset="0"/>
               <a:ea typeface="Roboto" panose="02000000000000000000" pitchFamily="2" charset="0"/>
             </a:endParaRPr>
-          </a:p>
-          <a:p>
-            <a:pPr marL="457200" indent="-457200">
-              <a:lnSpc>
-                <a:spcPct val="150000"/>
-              </a:lnSpc>
-              <a:buFont typeface="+mj-lt"/>
-              <a:buAutoNum type="arabicPeriod"/>
-            </a:pPr>
-            <a:r>
-              <a:rPr lang="en-US" sz="2400" dirty="0">
-                <a:solidFill>
-                  <a:schemeClr val="bg1"/>
-                </a:solidFill>
-                <a:latin typeface="Lato" panose="020F0502020204030203" pitchFamily="34" charset="0"/>
-                <a:ea typeface="Roboto" panose="02000000000000000000" pitchFamily="2" charset="0"/>
-              </a:rPr>
-              <a:t>Installed Workbench.</a:t>
-            </a:r>
-            <a:endParaRPr lang="vi-VN" sz="2400" dirty="0">
-              <a:solidFill>
-                <a:schemeClr val="bg1"/>
-              </a:solidFill>
-              <a:latin typeface="Lato" panose="020F0502020204030203" pitchFamily="34" charset="0"/>
-              <a:ea typeface="Roboto" panose="02000000000000000000" pitchFamily="2" charset="0"/>
-            </a:endParaRPr>
-          </a:p>
-          <a:p>
-            <a:pPr marL="457200" indent="-457200">
-              <a:lnSpc>
-                <a:spcPct val="150000"/>
-              </a:lnSpc>
-              <a:buFont typeface="+mj-lt"/>
-              <a:buAutoNum type="arabicPeriod"/>
-            </a:pPr>
-            <a:r>
-              <a:rPr lang="en-US" sz="2400" dirty="0">
-                <a:solidFill>
-                  <a:schemeClr val="bg1"/>
-                </a:solidFill>
-                <a:latin typeface="Lato" panose="020F0502020204030203" pitchFamily="34" charset="0"/>
-                <a:ea typeface="Roboto" panose="02000000000000000000" pitchFamily="2" charset="0"/>
-              </a:rPr>
-              <a:t>Installed Postman.</a:t>
-            </a:r>
           </a:p>
         </p:txBody>
       </p:sp>
@@ -2953,7 +3009,7 @@
                 </a:solidFill>
                 <a:latin typeface="Lato" panose="020F0502020204030203" pitchFamily="34" charset="0"/>
               </a:rPr>
-              <a:t>Scrum Master/Team Leader at Axon Active (</a:t>
+              <a:t>Scrum Master/Team Leader at Axon Active Viet Nam (</a:t>
             </a:r>
             <a:r>
               <a:rPr lang="en-US" sz="2400" dirty="0" err="1">
